--- a/PPT/每次课PPT/10 集合类-2.pptx
+++ b/PPT/每次课PPT/10 集合类-2.pptx
@@ -258,7 +258,7 @@
             <a:fld id="{1AA66804-583B-42BE-962B-441699487C40}" type="datetimeFigureOut">
               <a:rPr lang="zh-CN" altLang="en-US" smtClean="0"/>
               <a:pPr/>
-              <a:t>2017/11/26</a:t>
+              <a:t>2018/11/21</a:t>
             </a:fld>
             <a:endParaRPr lang="zh-CN" altLang="en-US"/>
           </a:p>
@@ -502,7 +502,7 @@
             <a:fld id="{B9EEDA17-7CE7-49CA-897E-A1888A19DA62}" type="datetimeFigureOut">
               <a:rPr lang="zh-CN" altLang="en-US"/>
               <a:pPr/>
-              <a:t>2017/11/26</a:t>
+              <a:t>2018/11/21</a:t>
             </a:fld>
             <a:endParaRPr lang="en-US"/>
           </a:p>
@@ -10857,13 +10857,6 @@
               </a:rPr>
               <a:t>或者用这种办法打印，请对比</a:t>
             </a:r>
-            <a:endParaRPr lang="zh-CN" altLang="en-US" sz="3200" dirty="0" smtClean="0">
-              <a:solidFill>
-                <a:srgbClr val="F8F8F8"/>
-              </a:solidFill>
-              <a:latin typeface="微软雅黑"/>
-              <a:ea typeface="微软雅黑"/>
-            </a:endParaRPr>
           </a:p>
         </p:txBody>
       </p:sp>
@@ -12966,17 +12959,7 @@
                 <a:latin typeface="微软雅黑"/>
                 <a:ea typeface="微软雅黑"/>
               </a:rPr>
-              <a:t>假定有这样一个双列集合：（</a:t>
-            </a:r>
-            <a:r>
-              <a:rPr lang="zh-CN" altLang="en-US" sz="3200" dirty="0" smtClean="0">
-                <a:solidFill>
-                  <a:srgbClr val="F8F8F8"/>
-                </a:solidFill>
-                <a:latin typeface="微软雅黑"/>
-                <a:ea typeface="微软雅黑"/>
-              </a:rPr>
-              <a:t>被叫号码，话费），请按号码排序</a:t>
+              <a:t>假定有这样一个双列集合：（被叫号码，话费），请按号码排序</a:t>
             </a:r>
             <a:endParaRPr lang="zh-CN" altLang="en-US" sz="2000" dirty="0" smtClean="0">
               <a:solidFill>
@@ -14871,8 +14854,8 @@
         </p:nvSpPr>
         <p:spPr bwMode="auto">
           <a:xfrm>
-            <a:off x="3510211" y="2780928"/>
-            <a:ext cx="7560840" cy="713494"/>
+            <a:off x="3938141" y="692696"/>
+            <a:ext cx="7704855" cy="713494"/>
           </a:xfrm>
           <a:prstGeom prst="rect">
             <a:avLst/>
@@ -14907,17 +14890,7 @@
                 <a:latin typeface="微软雅黑"/>
                 <a:ea typeface="微软雅黑"/>
               </a:rPr>
-              <a:t>讨论</a:t>
-            </a:r>
-            <a:r>
-              <a:rPr lang="zh-CN" altLang="en-US" sz="3200" dirty="0" smtClean="0">
-                <a:solidFill>
-                  <a:srgbClr val="F8F8F8"/>
-                </a:solidFill>
-                <a:latin typeface="微软雅黑"/>
-                <a:ea typeface="微软雅黑"/>
-              </a:rPr>
-              <a:t>：</a:t>
+              <a:t>讨论：</a:t>
             </a:r>
             <a:r>
               <a:rPr lang="en-US" altLang="zh-CN" sz="3200" dirty="0" err="1" smtClean="0">
@@ -14957,7 +14930,17 @@
                 <a:latin typeface="微软雅黑"/>
                 <a:ea typeface="微软雅黑"/>
               </a:rPr>
-              <a:t>冲突处理。</a:t>
+              <a:t>冲突</a:t>
+            </a:r>
+            <a:r>
+              <a:rPr lang="zh-CN" altLang="en-US" sz="3200" dirty="0" smtClean="0">
+                <a:solidFill>
+                  <a:srgbClr val="F8F8F8"/>
+                </a:solidFill>
+                <a:latin typeface="微软雅黑"/>
+                <a:ea typeface="微软雅黑"/>
+              </a:rPr>
+              <a:t>处理（源码）</a:t>
             </a:r>
             <a:endParaRPr lang="zh-CN" altLang="en-US" sz="3200" dirty="0" smtClean="0">
               <a:solidFill>
@@ -14971,7 +14954,7 @@
       </p:sp>
       <p:pic>
         <p:nvPicPr>
-          <p:cNvPr id="6" name="Picture 2"/>
+          <p:cNvPr id="1026" name="Picture 2"/>
           <p:cNvPicPr>
             <a:picLocks noChangeAspect="1" noChangeArrowheads="1"/>
           </p:cNvPicPr>
@@ -14992,8 +14975,8 @@
         </p:blipFill>
         <p:spPr bwMode="auto">
           <a:xfrm>
-            <a:off x="385565" y="1337208"/>
-            <a:ext cx="2683522" cy="4314428"/>
+            <a:off x="3938141" y="1556792"/>
+            <a:ext cx="5112568" cy="4218355"/>
           </a:xfrm>
           <a:prstGeom prst="rect">
             <a:avLst/>
@@ -15021,6 +15004,99 @@
               </a14:hiddenLine>
             </a:ext>
           </a:extLst>
+        </p:spPr>
+      </p:pic>
+      <p:pic>
+        <p:nvPicPr>
+          <p:cNvPr id="1027" name="Picture 3"/>
+          <p:cNvPicPr>
+            <a:picLocks noChangeAspect="1" noChangeArrowheads="1"/>
+          </p:cNvPicPr>
+          <p:nvPr/>
+        </p:nvPicPr>
+        <p:blipFill>
+          <a:blip r:embed="rId4">
+            <a:extLst>
+              <a:ext uri="{28A0092B-C50C-407E-A947-70E740481C1C}">
+                <a14:useLocalDpi xmlns:a14="http://schemas.microsoft.com/office/drawing/2010/main" val="0"/>
+              </a:ext>
+            </a:extLst>
+          </a:blip>
+          <a:srcRect/>
+          <a:stretch>
+            <a:fillRect/>
+          </a:stretch>
+        </p:blipFill>
+        <p:spPr bwMode="auto">
+          <a:xfrm>
+            <a:off x="151140" y="764704"/>
+            <a:ext cx="3282945" cy="3886705"/>
+          </a:xfrm>
+          <a:prstGeom prst="rect">
+            <a:avLst/>
+          </a:prstGeom>
+          <a:noFill/>
+          <a:ln>
+            <a:noFill/>
+          </a:ln>
+          <a:extLst>
+            <a:ext uri="{909E8E84-426E-40DD-AFC4-6F175D3DCCD1}">
+              <a14:hiddenFill xmlns:a14="http://schemas.microsoft.com/office/drawing/2010/main">
+                <a:solidFill>
+                  <a:schemeClr val="accent1"/>
+                </a:solidFill>
+              </a14:hiddenFill>
+            </a:ext>
+            <a:ext uri="{91240B29-F687-4F45-9708-019B960494DF}">
+              <a14:hiddenLine xmlns:a14="http://schemas.microsoft.com/office/drawing/2010/main" w="9525">
+                <a:solidFill>
+                  <a:schemeClr val="tx1"/>
+                </a:solidFill>
+                <a:miter lim="800000"/>
+                <a:headEnd/>
+                <a:tailEnd/>
+              </a14:hiddenLine>
+            </a:ext>
+          </a:extLst>
+        </p:spPr>
+      </p:pic>
+      <p:pic>
+        <p:nvPicPr>
+          <p:cNvPr id="1028" name="Picture 4"/>
+          <p:cNvPicPr>
+            <a:picLocks noChangeAspect="1" noChangeArrowheads="1"/>
+          </p:cNvPicPr>
+          <p:nvPr/>
+        </p:nvPicPr>
+        <p:blipFill>
+          <a:blip r:embed="rId5">
+            <a:extLst>
+              <a:ext uri="{28A0092B-C50C-407E-A947-70E740481C1C}">
+                <a14:useLocalDpi xmlns:a14="http://schemas.microsoft.com/office/drawing/2010/main" val="0"/>
+              </a:ext>
+            </a:extLst>
+          </a:blip>
+          <a:srcRect/>
+          <a:stretch>
+            <a:fillRect/>
+          </a:stretch>
+        </p:blipFill>
+        <p:spPr bwMode="auto">
+          <a:xfrm>
+            <a:off x="8042597" y="4958545"/>
+            <a:ext cx="3973835" cy="1633203"/>
+          </a:xfrm>
+          <a:prstGeom prst="rect">
+            <a:avLst/>
+          </a:prstGeom>
+          <a:solidFill>
+            <a:schemeClr val="accent1"/>
+          </a:solidFill>
+          <a:ln>
+            <a:solidFill>
+              <a:schemeClr val="accent1"/>
+            </a:solidFill>
+          </a:ln>
         </p:spPr>
       </p:pic>
     </p:spTree>
@@ -21360,13 +21436,6 @@
               </a:rPr>
               <a:t>能不能让集合类把好入口关？也就是说，规定集合里装入数据的类型。</a:t>
             </a:r>
-            <a:endParaRPr lang="zh-CN" altLang="en-US" sz="3200" dirty="0" smtClean="0">
-              <a:solidFill>
-                <a:srgbClr val="F8F8F8"/>
-              </a:solidFill>
-              <a:latin typeface="微软雅黑"/>
-              <a:ea typeface="微软雅黑"/>
-            </a:endParaRPr>
           </a:p>
         </p:txBody>
       </p:sp>
@@ -22824,25 +22893,8 @@
                 <a:latin typeface="微软雅黑"/>
                 <a:ea typeface="微软雅黑"/>
               </a:rPr>
-              <a:t>讨论</a:t>
+              <a:t>讨论：你觉得什么时候会用到泛型？</a:t>
             </a:r>
-            <a:r>
-              <a:rPr lang="zh-CN" altLang="en-US" sz="3200" dirty="0" smtClean="0">
-                <a:solidFill>
-                  <a:srgbClr val="F8F8F8"/>
-                </a:solidFill>
-                <a:latin typeface="微软雅黑"/>
-                <a:ea typeface="微软雅黑"/>
-              </a:rPr>
-              <a:t>：你觉得什么时候会用到泛型？</a:t>
-            </a:r>
-            <a:endParaRPr lang="zh-CN" altLang="en-US" sz="3200" dirty="0" smtClean="0">
-              <a:solidFill>
-                <a:srgbClr val="F8F8F8"/>
-              </a:solidFill>
-              <a:latin typeface="微软雅黑"/>
-              <a:ea typeface="微软雅黑"/>
-            </a:endParaRPr>
           </a:p>
         </p:txBody>
       </p:sp>
@@ -24668,13 +24720,6 @@
               </a:rPr>
               <a:t>…</a:t>
             </a:r>
-            <a:endParaRPr lang="en-US" altLang="zh-CN" dirty="0" smtClean="0">
-              <a:solidFill>
-                <a:srgbClr val="080808"/>
-              </a:solidFill>
-              <a:latin typeface="微软雅黑" pitchFamily="34" charset="-122"/>
-              <a:ea typeface="微软雅黑" pitchFamily="34" charset="-122"/>
-            </a:endParaRPr>
           </a:p>
         </p:txBody>
       </p:sp>
@@ -25110,11 +25155,6 @@
                 </a:rPr>
                 <a:t>工具类</a:t>
               </a:r>
-              <a:endParaRPr lang="zh-CN" altLang="en-US" sz="2400" dirty="0">
-                <a:solidFill>
-                  <a:srgbClr val="F8F8F8"/>
-                </a:solidFill>
-              </a:endParaRPr>
             </a:p>
           </p:txBody>
         </p:sp>
@@ -25271,13 +25311,6 @@
               </a:rPr>
               <a:t>…</a:t>
             </a:r>
-            <a:endParaRPr lang="en-US" altLang="zh-CN" dirty="0" smtClean="0">
-              <a:solidFill>
-                <a:srgbClr val="080808"/>
-              </a:solidFill>
-              <a:latin typeface="微软雅黑" pitchFamily="34" charset="-122"/>
-              <a:ea typeface="微软雅黑" pitchFamily="34" charset="-122"/>
-            </a:endParaRPr>
           </a:p>
         </p:txBody>
       </p:sp>
@@ -25611,17 +25644,7 @@
                 <a:latin typeface="微软雅黑" pitchFamily="34" charset="-122"/>
                 <a:ea typeface="微软雅黑" pitchFamily="34" charset="-122"/>
               </a:rPr>
-              <a:t>第十次</a:t>
-            </a:r>
-            <a:r>
-              <a:rPr lang="zh-CN" altLang="en-US" sz="2400" dirty="0" smtClean="0">
-                <a:solidFill>
-                  <a:srgbClr val="4D4D4D"/>
-                </a:solidFill>
-                <a:latin typeface="微软雅黑" pitchFamily="34" charset="-122"/>
-                <a:ea typeface="微软雅黑" pitchFamily="34" charset="-122"/>
-              </a:rPr>
-              <a:t>课的内容</a:t>
+              <a:t>第十次课的内容</a:t>
             </a:r>
             <a:endParaRPr lang="zh-CN" altLang="en-US" sz="2400" dirty="0">
               <a:solidFill>
@@ -29252,13 +29275,6 @@
               </a:rPr>
               <a:t>直接存储键值对，代码改如何更改呢？</a:t>
             </a:r>
-            <a:endParaRPr lang="zh-CN" altLang="en-US" sz="3200" dirty="0" smtClean="0">
-              <a:solidFill>
-                <a:srgbClr val="F8F8F8"/>
-              </a:solidFill>
-              <a:latin typeface="微软雅黑"/>
-              <a:ea typeface="微软雅黑"/>
-            </a:endParaRPr>
           </a:p>
         </p:txBody>
       </p:sp>
@@ -30317,13 +30333,6 @@
               </a:rPr>
               <a:t>中的内容打出来呢？</a:t>
             </a:r>
-            <a:endParaRPr lang="zh-CN" altLang="en-US" sz="3200" dirty="0" smtClean="0">
-              <a:solidFill>
-                <a:srgbClr val="F8F8F8"/>
-              </a:solidFill>
-              <a:latin typeface="微软雅黑"/>
-              <a:ea typeface="微软雅黑"/>
-            </a:endParaRPr>
           </a:p>
         </p:txBody>
       </p:sp>
